--- a/Chapter_3/figures/traj_new/redundancy.pptx
+++ b/Chapter_3/figures/traj_new/redundancy.pptx
@@ -104,6 +104,11 @@
       </a:defRPr>
     </a:lvl9pPr>
   </p:defaultTextStyle>
+  <p:extLst>
+    <p:ext uri="{EFAFB233-063F-42B5-8137-9DF3F51BA10A}">
+      <p15:sldGuideLst xmlns:p15="http://schemas.microsoft.com/office/powerpoint/2012/main"/>
+    </p:ext>
+  </p:extLst>
 </p:presentation>
 </file>
 
@@ -238,7 +243,7 @@
           <a:p>
             <a:fld id="{941C12C7-8EE7-2147-B212-69AA7B5D7AF9}" type="datetimeFigureOut">
               <a:rPr lang="en-US" smtClean="0"/>
-              <a:t>4/2/24</a:t>
+              <a:t>4/5/24</a:t>
             </a:fld>
             <a:endParaRPr lang="en-US"/>
           </a:p>
@@ -408,7 +413,7 @@
           <a:p>
             <a:fld id="{941C12C7-8EE7-2147-B212-69AA7B5D7AF9}" type="datetimeFigureOut">
               <a:rPr lang="en-US" smtClean="0"/>
-              <a:t>4/2/24</a:t>
+              <a:t>4/5/24</a:t>
             </a:fld>
             <a:endParaRPr lang="en-US"/>
           </a:p>
@@ -588,7 +593,7 @@
           <a:p>
             <a:fld id="{941C12C7-8EE7-2147-B212-69AA7B5D7AF9}" type="datetimeFigureOut">
               <a:rPr lang="en-US" smtClean="0"/>
-              <a:t>4/2/24</a:t>
+              <a:t>4/5/24</a:t>
             </a:fld>
             <a:endParaRPr lang="en-US"/>
           </a:p>
@@ -758,7 +763,7 @@
           <a:p>
             <a:fld id="{941C12C7-8EE7-2147-B212-69AA7B5D7AF9}" type="datetimeFigureOut">
               <a:rPr lang="en-US" smtClean="0"/>
-              <a:t>4/2/24</a:t>
+              <a:t>4/5/24</a:t>
             </a:fld>
             <a:endParaRPr lang="en-US"/>
           </a:p>
@@ -1004,7 +1009,7 @@
           <a:p>
             <a:fld id="{941C12C7-8EE7-2147-B212-69AA7B5D7AF9}" type="datetimeFigureOut">
               <a:rPr lang="en-US" smtClean="0"/>
-              <a:t>4/2/24</a:t>
+              <a:t>4/5/24</a:t>
             </a:fld>
             <a:endParaRPr lang="en-US"/>
           </a:p>
@@ -1236,7 +1241,7 @@
           <a:p>
             <a:fld id="{941C12C7-8EE7-2147-B212-69AA7B5D7AF9}" type="datetimeFigureOut">
               <a:rPr lang="en-US" smtClean="0"/>
-              <a:t>4/2/24</a:t>
+              <a:t>4/5/24</a:t>
             </a:fld>
             <a:endParaRPr lang="en-US"/>
           </a:p>
@@ -1603,7 +1608,7 @@
           <a:p>
             <a:fld id="{941C12C7-8EE7-2147-B212-69AA7B5D7AF9}" type="datetimeFigureOut">
               <a:rPr lang="en-US" smtClean="0"/>
-              <a:t>4/2/24</a:t>
+              <a:t>4/5/24</a:t>
             </a:fld>
             <a:endParaRPr lang="en-US"/>
           </a:p>
@@ -1721,7 +1726,7 @@
           <a:p>
             <a:fld id="{941C12C7-8EE7-2147-B212-69AA7B5D7AF9}" type="datetimeFigureOut">
               <a:rPr lang="en-US" smtClean="0"/>
-              <a:t>4/2/24</a:t>
+              <a:t>4/5/24</a:t>
             </a:fld>
             <a:endParaRPr lang="en-US"/>
           </a:p>
@@ -1816,7 +1821,7 @@
           <a:p>
             <a:fld id="{941C12C7-8EE7-2147-B212-69AA7B5D7AF9}" type="datetimeFigureOut">
               <a:rPr lang="en-US" smtClean="0"/>
-              <a:t>4/2/24</a:t>
+              <a:t>4/5/24</a:t>
             </a:fld>
             <a:endParaRPr lang="en-US"/>
           </a:p>
@@ -2093,7 +2098,7 @@
           <a:p>
             <a:fld id="{941C12C7-8EE7-2147-B212-69AA7B5D7AF9}" type="datetimeFigureOut">
               <a:rPr lang="en-US" smtClean="0"/>
-              <a:t>4/2/24</a:t>
+              <a:t>4/5/24</a:t>
             </a:fld>
             <a:endParaRPr lang="en-US"/>
           </a:p>
@@ -2350,7 +2355,7 @@
           <a:p>
             <a:fld id="{941C12C7-8EE7-2147-B212-69AA7B5D7AF9}" type="datetimeFigureOut">
               <a:rPr lang="en-US" smtClean="0"/>
-              <a:t>4/2/24</a:t>
+              <a:t>4/5/24</a:t>
             </a:fld>
             <a:endParaRPr lang="en-US"/>
           </a:p>
@@ -2563,7 +2568,7 @@
           <a:p>
             <a:fld id="{941C12C7-8EE7-2147-B212-69AA7B5D7AF9}" type="datetimeFigureOut">
               <a:rPr lang="en-US" smtClean="0"/>
-              <a:t>4/2/24</a:t>
+              <a:t>4/5/24</a:t>
             </a:fld>
             <a:endParaRPr lang="en-US"/>
           </a:p>
@@ -2970,7 +2975,7 @@
       </p:grpSpPr>
       <p:pic>
         <p:nvPicPr>
-          <p:cNvPr id="5" name="Picture 4" descr="A graph with a lizard on it&#10;&#10;Description automatically generated">
+          <p:cNvPr id="5" name="Picture 4">
             <a:extLst>
               <a:ext uri="{FF2B5EF4-FFF2-40B4-BE49-F238E27FC236}">
                 <a16:creationId xmlns:a16="http://schemas.microsoft.com/office/drawing/2014/main" id="{39BEC318-3E33-0FF9-0E20-CCF438D2D5AA}"/>
@@ -2984,14 +2989,13 @@
         </p:nvPicPr>
         <p:blipFill>
           <a:blip r:embed="rId2"/>
-          <a:stretch>
-            <a:fillRect/>
-          </a:stretch>
+          <a:srcRect/>
+          <a:stretch/>
         </p:blipFill>
         <p:spPr>
           <a:xfrm>
-            <a:off x="-169333" y="133244"/>
-            <a:ext cx="3804356" cy="2282613"/>
+            <a:off x="-169334" y="140018"/>
+            <a:ext cx="3804355" cy="2282613"/>
           </a:xfrm>
           <a:prstGeom prst="rect">
             <a:avLst/>
@@ -3000,7 +3004,7 @@
       </p:pic>
       <p:pic>
         <p:nvPicPr>
-          <p:cNvPr id="7" name="Picture 6" descr="A graph with different colored lines&#10;&#10;Description automatically generated">
+          <p:cNvPr id="7" name="Picture 6">
             <a:extLst>
               <a:ext uri="{FF2B5EF4-FFF2-40B4-BE49-F238E27FC236}">
                 <a16:creationId xmlns:a16="http://schemas.microsoft.com/office/drawing/2014/main" id="{58B68C1F-2EA2-6AFE-748D-FA4DCACB1894}"/>
@@ -3014,14 +3018,13 @@
         </p:nvPicPr>
         <p:blipFill>
           <a:blip r:embed="rId3"/>
-          <a:stretch>
-            <a:fillRect/>
-          </a:stretch>
+          <a:srcRect/>
+          <a:stretch/>
         </p:blipFill>
         <p:spPr>
           <a:xfrm>
             <a:off x="3272328" y="133244"/>
-            <a:ext cx="3804356" cy="2282613"/>
+            <a:ext cx="3804355" cy="2282613"/>
           </a:xfrm>
           <a:prstGeom prst="rect">
             <a:avLst/>
@@ -3030,7 +3033,7 @@
       </p:pic>
       <p:pic>
         <p:nvPicPr>
-          <p:cNvPr id="9" name="Picture 8" descr="A graph with a green line&#10;&#10;Description automatically generated">
+          <p:cNvPr id="9" name="Picture 8">
             <a:extLst>
               <a:ext uri="{FF2B5EF4-FFF2-40B4-BE49-F238E27FC236}">
                 <a16:creationId xmlns:a16="http://schemas.microsoft.com/office/drawing/2014/main" id="{484276BB-7ED2-0822-BC43-4B6C93A5FF91}"/>
@@ -3044,9 +3047,8 @@
         </p:nvPicPr>
         <p:blipFill>
           <a:blip r:embed="rId4"/>
-          <a:stretch>
-            <a:fillRect/>
-          </a:stretch>
+          <a:srcRect/>
+          <a:stretch/>
         </p:blipFill>
         <p:spPr>
           <a:xfrm>
@@ -3060,7 +3062,7 @@
       </p:pic>
       <p:pic>
         <p:nvPicPr>
-          <p:cNvPr id="11" name="Picture 10" descr="A graph with a green line&#10;&#10;Description automatically generated">
+          <p:cNvPr id="11" name="Picture 10">
             <a:extLst>
               <a:ext uri="{FF2B5EF4-FFF2-40B4-BE49-F238E27FC236}">
                 <a16:creationId xmlns:a16="http://schemas.microsoft.com/office/drawing/2014/main" id="{4BA3798E-ABA8-7354-661C-4ABA0878AEF7}"/>
@@ -3074,9 +3076,8 @@
         </p:nvPicPr>
         <p:blipFill>
           <a:blip r:embed="rId5"/>
-          <a:stretch>
-            <a:fillRect/>
-          </a:stretch>
+          <a:srcRect/>
+          <a:stretch/>
         </p:blipFill>
         <p:spPr>
           <a:xfrm>
@@ -3090,7 +3091,7 @@
       </p:pic>
       <p:pic>
         <p:nvPicPr>
-          <p:cNvPr id="13" name="Picture 12" descr="A graph with a line drawn on it&#10;&#10;Description automatically generated">
+          <p:cNvPr id="13" name="Picture 12">
             <a:extLst>
               <a:ext uri="{FF2B5EF4-FFF2-40B4-BE49-F238E27FC236}">
                 <a16:creationId xmlns:a16="http://schemas.microsoft.com/office/drawing/2014/main" id="{364B3D74-4C6F-2C1A-D6C4-626C3357FC49}"/>
@@ -3104,9 +3105,8 @@
         </p:nvPicPr>
         <p:blipFill>
           <a:blip r:embed="rId6"/>
-          <a:stretch>
-            <a:fillRect/>
-          </a:stretch>
+          <a:srcRect/>
+          <a:stretch/>
         </p:blipFill>
         <p:spPr>
           <a:xfrm>
@@ -3120,7 +3120,7 @@
       </p:pic>
       <p:pic>
         <p:nvPicPr>
-          <p:cNvPr id="15" name="Picture 14" descr="A graph with blue and purple lines&#10;&#10;Description automatically generated">
+          <p:cNvPr id="15" name="Picture 14">
             <a:extLst>
               <a:ext uri="{FF2B5EF4-FFF2-40B4-BE49-F238E27FC236}">
                 <a16:creationId xmlns:a16="http://schemas.microsoft.com/office/drawing/2014/main" id="{846683A4-D107-7787-48F0-929DDCCBF0ED}"/>
@@ -3134,9 +3134,8 @@
         </p:nvPicPr>
         <p:blipFill>
           <a:blip r:embed="rId7"/>
-          <a:stretch>
-            <a:fillRect/>
-          </a:stretch>
+          <a:srcRect/>
+          <a:stretch/>
         </p:blipFill>
         <p:spPr>
           <a:xfrm>
